--- a/JP/JPF02_slide_TLF.pptx
+++ b/JP/JPF02_slide_TLF.pptx
@@ -255,7 +255,7 @@
           <a:p>
             <a:fld id="{9C4CBB43-E31D-44A0-A53C-703516A088F9}" type="datetimeFigureOut">
               <a:rPr kumimoji="1" lang="ja-JP" altLang="en-US" smtClean="0"/>
-              <a:t>2025/8/12</a:t>
+              <a:t>2025/8/21</a:t>
             </a:fld>
             <a:endParaRPr kumimoji="1" lang="ja-JP" altLang="en-US"/>
           </a:p>
@@ -433,7 +433,7 @@
           <a:p>
             <a:fld id="{0F5249E7-E526-41BC-878D-DBB27AF3BCB6}" type="datetimeFigureOut">
               <a:rPr kumimoji="1" lang="ja-JP" altLang="en-US" smtClean="0"/>
-              <a:t>2025/8/12</a:t>
+              <a:t>2025/8/21</a:t>
             </a:fld>
             <a:endParaRPr kumimoji="1" lang="ja-JP" altLang="en-US"/>
           </a:p>
@@ -4080,6 +4080,12 @@
             <a:pPr marL="0" indent="0">
               <a:buNone/>
             </a:pPr>
+            <a:r>
+              <a:rPr kumimoji="1" lang="en-US" altLang="ja-JP" sz="2000" dirty="0">
+                <a:hlinkClick r:id="rId2"/>
+              </a:rPr>
+              <a:t>@hojicya_study</a:t>
+            </a:r>
             <a:endParaRPr kumimoji="1" lang="ja-JP" altLang="en-US" sz="2000" dirty="0"/>
           </a:p>
         </p:txBody>
@@ -4116,7 +4122,10 @@
             <a:pPr marL="0" indent="0">
               <a:buNone/>
             </a:pPr>
-            <a:endParaRPr kumimoji="1" lang="ja-JP" altLang="en-US" sz="2000" dirty="0"/>
+            <a:r>
+              <a:rPr kumimoji="1" lang="ja-JP" altLang="en-US" sz="2000" dirty="0"/>
+              <a:t>ほうじ茶</a:t>
+            </a:r>
           </a:p>
         </p:txBody>
       </p:sp>
@@ -4141,6 +4150,10 @@
           <a:bodyPr anchor="ctr"/>
           <a:lstStyle/>
           <a:p>
+            <a:r>
+              <a:rPr kumimoji="1" lang="en-US" altLang="ja-JP" sz="2000" dirty="0"/>
+              <a:t>Yr. 2025</a:t>
+            </a:r>
             <a:endParaRPr kumimoji="1" lang="ja-JP" altLang="en-US" sz="2000" dirty="0"/>
           </a:p>
         </p:txBody>
@@ -4229,19 +4242,6 @@
               </a:rPr>
               <a:t>思考実験</a:t>
             </a:r>
-            <a:r>
-              <a:rPr lang="en-US" altLang="ja-JP" dirty="0">
-                <a:solidFill>
-                  <a:srgbClr val="00B0F0"/>
-                </a:solidFill>
-              </a:rPr>
-              <a:t>2</a:t>
-            </a:r>
-            <a:endParaRPr lang="ja-JP" altLang="en-US" dirty="0">
-              <a:solidFill>
-                <a:srgbClr val="00B0F0"/>
-              </a:solidFill>
-            </a:endParaRPr>
           </a:p>
         </p:txBody>
       </p:sp>
@@ -4274,7 +4274,7 @@
               <a:rPr lang="en-US" altLang="ja-JP" dirty="0">
                 <a:hlinkClick r:id="rId2"/>
               </a:rPr>
-              <a:t>https://www.irasutoya.com</a:t>
+              <a:t>www.irasutoya.com</a:t>
             </a:r>
             <a:endParaRPr lang="ja-JP" altLang="en-US" dirty="0"/>
           </a:p>
@@ -4800,13 +4800,8 @@
           <a:p>
             <a:r>
               <a:rPr kumimoji="1" lang="ja-JP" altLang="en-US" dirty="0"/>
-              <a:t>思考実験</a:t>
+              <a:t>考察</a:t>
             </a:r>
-            <a:r>
-              <a:rPr kumimoji="1" lang="en-US" altLang="ja-JP" dirty="0"/>
-              <a:t>2</a:t>
-            </a:r>
-            <a:endParaRPr kumimoji="1" lang="ja-JP" altLang="en-US" dirty="0"/>
           </a:p>
         </p:txBody>
       </p:sp>
@@ -4912,31 +4907,6 @@
               <a:t>11</a:t>
             </a:fld>
             <a:endParaRPr kumimoji="1" lang="ja-JP" altLang="en-US"/>
-          </a:p>
-        </p:txBody>
-      </p:sp>
-      <p:sp>
-        <p:nvSpPr>
-          <p:cNvPr id="6" name="テキスト プレースホルダー 5">
-            <a:extLst>
-              <a:ext uri="{FF2B5EF4-FFF2-40B4-BE49-F238E27FC236}">
-                <a16:creationId xmlns:a16="http://schemas.microsoft.com/office/drawing/2014/main" id="{85963F0B-337D-5EA4-6F60-3186CB205C8A}"/>
-              </a:ext>
-            </a:extLst>
-          </p:cNvPr>
-          <p:cNvSpPr>
-            <a:spLocks noGrp="1"/>
-          </p:cNvSpPr>
-          <p:nvPr>
-            <p:ph type="body" sz="quarter" idx="22"/>
-          </p:nvPr>
-        </p:nvSpPr>
-        <p:spPr/>
-        <p:txBody>
-          <a:bodyPr/>
-          <a:lstStyle/>
-          <a:p>
-            <a:endParaRPr lang="ja-JP" altLang="en-US"/>
           </a:p>
         </p:txBody>
       </p:sp>
@@ -6129,7 +6099,7 @@
               <a:rPr lang="en-US" altLang="ja-JP" dirty="0">
                 <a:hlinkClick r:id="rId2"/>
               </a:rPr>
-              <a:t>https://illust8.com/contents/2734</a:t>
+              <a:t>illust8.com/contents/2734</a:t>
             </a:r>
             <a:endParaRPr lang="en-US" altLang="ja-JP" dirty="0"/>
           </a:p>
@@ -6505,7 +6475,7 @@
               <a:rPr lang="en-US" altLang="ja-JP" dirty="0">
                 <a:hlinkClick r:id="rId2"/>
               </a:rPr>
-              <a:t>https://www.irasutoya.com</a:t>
+              <a:t>www.irasutoya.com</a:t>
             </a:r>
             <a:endParaRPr lang="ja-JP" altLang="en-US" dirty="0"/>
           </a:p>
@@ -27048,13 +27018,8 @@
           <a:p>
             <a:r>
               <a:rPr kumimoji="1" lang="ja-JP" altLang="en-US" dirty="0"/>
-              <a:t>思考実験</a:t>
+              <a:t>考察</a:t>
             </a:r>
-            <a:r>
-              <a:rPr kumimoji="1" lang="en-US" altLang="ja-JP" dirty="0"/>
-              <a:t>1</a:t>
-            </a:r>
-            <a:endParaRPr kumimoji="1" lang="ja-JP" altLang="en-US" dirty="0"/>
           </a:p>
         </p:txBody>
       </p:sp>
@@ -27309,7 +27274,7 @@
               <a:rPr lang="en-US" altLang="ja-JP" dirty="0">
                 <a:hlinkClick r:id="rId2"/>
               </a:rPr>
-              <a:t>https://www.irasutoya.com</a:t>
+              <a:t>www.irasutoya.com</a:t>
             </a:r>
             <a:endParaRPr lang="ja-JP" altLang="en-US" dirty="0"/>
           </a:p>
@@ -28368,7 +28333,7 @@
               <a:rPr lang="en-US" altLang="ja-JP" dirty="0">
                 <a:hlinkClick r:id="rId2"/>
               </a:rPr>
-              <a:t>https://sozai.manabihiroba.net/rika/185</a:t>
+              <a:t>sozai.manabihiroba.net/rika/185</a:t>
             </a:r>
             <a:endParaRPr kumimoji="1" lang="ja-JP" altLang="en-US" dirty="0"/>
           </a:p>
@@ -31891,7 +31856,7 @@
               <a:rPr lang="en-US" altLang="ja-JP" dirty="0">
                 <a:hlinkClick r:id="rId2"/>
               </a:rPr>
-              <a:t>https://adwin-learning.com/MD/chapter1_3</a:t>
+              <a:t>adwin-learning.com/MD/chapter1_3</a:t>
             </a:r>
             <a:endParaRPr kumimoji="1" lang="ja-JP" altLang="en-US" dirty="0"/>
           </a:p>
@@ -32417,7 +32382,7 @@
                 <a:rPr lang="en-US" altLang="ja-JP" dirty="0">
                   <a:hlinkClick r:id="rId5"/>
                 </a:rPr>
-                <a:t>https://soco-st.com/16180</a:t>
+                <a:t>soco-st.com/16180</a:t>
               </a:r>
               <a:endParaRPr lang="en-US" altLang="ja-JP" dirty="0"/>
             </a:p>
@@ -32658,7 +32623,7 @@
                 <a:rPr lang="en-US" altLang="ja-JP" dirty="0">
                   <a:hlinkClick r:id="rId7"/>
                 </a:rPr>
-                <a:t>https://www.irasutoya.com</a:t>
+                <a:t>www.irasutoya.com</a:t>
               </a:r>
               <a:endParaRPr lang="ja-JP" altLang="en-US" dirty="0"/>
             </a:p>
@@ -34273,11 +34238,6 @@
               <a:rPr kumimoji="1" lang="ja-JP" altLang="en-US" dirty="0"/>
               <a:t>実験考察</a:t>
             </a:r>
-            <a:r>
-              <a:rPr kumimoji="1" lang="en-US" altLang="ja-JP" dirty="0"/>
-              <a:t>1</a:t>
-            </a:r>
-            <a:endParaRPr kumimoji="1" lang="ja-JP" altLang="en-US" dirty="0"/>
           </a:p>
         </p:txBody>
       </p:sp>
@@ -35577,7 +35537,7 @@
               <a:rPr lang="en-US" altLang="ja-JP" dirty="0">
                 <a:hlinkClick r:id="rId3"/>
               </a:rPr>
-              <a:t>https://www.irasutoya.com</a:t>
+              <a:t>www.irasutoya.com</a:t>
             </a:r>
             <a:endParaRPr lang="ja-JP" altLang="en-US" dirty="0"/>
           </a:p>
@@ -37386,7 +37346,7 @@
               <a:rPr lang="en-US" altLang="ja-JP" dirty="0">
                 <a:hlinkClick r:id="rId2"/>
               </a:rPr>
-              <a:t>https://www.irasutoya.com</a:t>
+              <a:t>www.irasutoya.com</a:t>
             </a:r>
             <a:endParaRPr lang="ja-JP" altLang="en-US" dirty="0"/>
           </a:p>
@@ -37588,13 +37548,8 @@
           <a:p>
             <a:r>
               <a:rPr kumimoji="1" lang="ja-JP" altLang="en-US" dirty="0"/>
-              <a:t>実験考察</a:t>
+              <a:t>考察</a:t>
             </a:r>
-            <a:r>
-              <a:rPr kumimoji="1" lang="en-US" altLang="ja-JP" dirty="0"/>
-              <a:t>2</a:t>
-            </a:r>
-            <a:endParaRPr kumimoji="1" lang="ja-JP" altLang="en-US" dirty="0"/>
           </a:p>
         </p:txBody>
       </p:sp>
@@ -38013,7 +37968,7 @@
               <a:rPr lang="en-US" altLang="ja-JP" dirty="0">
                 <a:hlinkClick r:id="rId2"/>
               </a:rPr>
-              <a:t>https://www.irasutoya.com</a:t>
+              <a:t>www.irasutoya.com</a:t>
             </a:r>
             <a:endParaRPr lang="ja-JP" altLang="en-US" dirty="0"/>
           </a:p>
@@ -38244,7 +38199,7 @@
               <a:rPr lang="en-US" altLang="ja-JP" dirty="0">
                 <a:hlinkClick r:id="rId2"/>
               </a:rPr>
-              <a:t>https://www.irasutoya.com</a:t>
+              <a:t>www.irasutoya.com</a:t>
             </a:r>
             <a:endParaRPr lang="ja-JP" altLang="en-US" dirty="0"/>
           </a:p>
@@ -38483,7 +38438,7 @@
               <a:rPr lang="en-US" altLang="ja-JP" dirty="0">
                 <a:hlinkClick r:id="rId2"/>
               </a:rPr>
-              <a:t>https://www.irasutoya.com</a:t>
+              <a:t>www.irasutoya.com</a:t>
             </a:r>
             <a:endParaRPr lang="ja-JP" altLang="en-US" dirty="0"/>
           </a:p>
@@ -39139,7 +39094,13 @@
       </p:grpSpPr>
       <p:pic>
         <p:nvPicPr>
-          <p:cNvPr id="4098" name="Picture 2"/>
+          <p:cNvPr id="1026" name="Picture 2">
+            <a:extLst>
+              <a:ext uri="{FF2B5EF4-FFF2-40B4-BE49-F238E27FC236}">
+                <a16:creationId xmlns:a16="http://schemas.microsoft.com/office/drawing/2014/main" id="{EBFBD24D-5743-8E3E-240D-6592C8CB3AAD}"/>
+              </a:ext>
+            </a:extLst>
+          </p:cNvPr>
           <p:cNvPicPr>
             <a:picLocks noChangeAspect="1" noChangeArrowheads="1"/>
           </p:cNvPicPr>
@@ -39153,14 +39114,14 @@
               </a:ext>
             </a:extLst>
           </a:blip>
-          <a:srcRect l="3975" r="3975"/>
+          <a:srcRect l="3806" r="3992"/>
           <a:stretch>
             <a:fillRect/>
           </a:stretch>
         </p:blipFill>
         <p:spPr bwMode="auto">
           <a:xfrm>
-            <a:off x="5126317" y="604570"/>
+            <a:off x="5126316" y="604570"/>
             <a:ext cx="4199509" cy="5636818"/>
           </a:xfrm>
           <a:prstGeom prst="rect">
@@ -39390,24 +39351,11 @@
           </a:lstStyle>
           <a:p>
             <a:r>
-              <a:rPr lang="en-US" altLang="ja-JP" sz="1400" baseline="30000" dirty="0">
-                <a:latin typeface="+mj-lt"/>
-              </a:rPr>
-              <a:t>[6] </a:t>
-            </a:r>
-            <a:r>
               <a:rPr lang="en-US" altLang="ja-JP" sz="1400" dirty="0">
                 <a:latin typeface="+mj-lt"/>
                 <a:hlinkClick r:id="rId3"/>
               </a:rPr>
-              <a:t>https://ja.wikipedia.org/wiki/</a:t>
-            </a:r>
-            <a:r>
-              <a:rPr lang="ja-JP" altLang="en-US" sz="1400" dirty="0">
-                <a:latin typeface="+mj-lt"/>
-                <a:hlinkClick r:id="rId3"/>
-              </a:rPr>
-              <a:t>ロバート・フック</a:t>
+              <a:t>commons.wikimedia.org/wiki/File:Portrait_of_a_Mathematician_1680c.jpg</a:t>
             </a:r>
             <a:endParaRPr lang="en-US" altLang="ja-JP" sz="1400" dirty="0">
               <a:latin typeface="+mj-lt"/>
@@ -40962,14 +40910,6 @@
 </file>
 
 <file path=customXml/item1.xml><?xml version="1.0" encoding="utf-8"?>
-<p:properties xmlns:p="http://schemas.microsoft.com/office/2006/metadata/properties" xmlns:xsi="http://www.w3.org/2001/XMLSchema-instance" xmlns:pc="http://schemas.microsoft.com/office/infopath/2007/PartnerControls">
-  <documentManagement>
-    <_activity xmlns="4952ab04-0ae3-4d00-bda6-702fdc5fffab" xsi:nil="true"/>
-  </documentManagement>
-</p:properties>
-</file>
-
-<file path=customXml/item2.xml><?xml version="1.0" encoding="utf-8"?>
 <ct:contentTypeSchema xmlns:ct="http://schemas.microsoft.com/office/2006/metadata/contentType" xmlns:ma="http://schemas.microsoft.com/office/2006/metadata/properties/metaAttributes" ct:_="" ma:_="" ma:contentTypeName="ドキュメント" ma:contentTypeID="0x010100317BAD2A974274468B93BA0E70B86153" ma:contentTypeVersion="14" ma:contentTypeDescription="新しいドキュメントを作成します。" ma:contentTypeScope="" ma:versionID="19deaf902174782fcab1e59d5990709b">
   <xsd:schema xmlns:xsd="http://www.w3.org/2001/XMLSchema" xmlns:xs="http://www.w3.org/2001/XMLSchema" xmlns:p="http://schemas.microsoft.com/office/2006/metadata/properties" xmlns:ns3="4952ab04-0ae3-4d00-bda6-702fdc5fffab" xmlns:ns4="a9997899-e6ea-448c-9370-6665c1cb1ca9" targetNamespace="http://schemas.microsoft.com/office/2006/metadata/properties" ma:root="true" ma:fieldsID="626e8013a1feda8fd847dbe4d0402ef4" ns3:_="" ns4:_="">
     <xsd:import namespace="4952ab04-0ae3-4d00-bda6-702fdc5fffab"/>
@@ -41196,6 +41136,14 @@
 </ct:contentTypeSchema>
 </file>
 
+<file path=customXml/item2.xml><?xml version="1.0" encoding="utf-8"?>
+<p:properties xmlns:p="http://schemas.microsoft.com/office/2006/metadata/properties" xmlns:xsi="http://www.w3.org/2001/XMLSchema-instance" xmlns:pc="http://schemas.microsoft.com/office/infopath/2007/PartnerControls">
+  <documentManagement>
+    <_activity xmlns="4952ab04-0ae3-4d00-bda6-702fdc5fffab" xsi:nil="true"/>
+  </documentManagement>
+</p:properties>
+</file>
+
 <file path=customXml/item3.xml><?xml version="1.0" encoding="utf-8"?>
 <?mso-contentType ?>
 <FormTemplates xmlns="http://schemas.microsoft.com/sharepoint/v3/contenttype/forms">
@@ -41206,23 +41154,6 @@
 </file>
 
 <file path=customXml/itemProps1.xml><?xml version="1.0" encoding="utf-8"?>
-<ds:datastoreItem xmlns:ds="http://schemas.openxmlformats.org/officeDocument/2006/customXml" ds:itemID="{F5BCF84E-3EFE-4EC9-AB6C-7D53083CF2F0}">
-  <ds:schemaRefs>
-    <ds:schemaRef ds:uri="4952ab04-0ae3-4d00-bda6-702fdc5fffab"/>
-    <ds:schemaRef ds:uri="http://schemas.microsoft.com/office/2006/metadata/properties"/>
-    <ds:schemaRef ds:uri="http://schemas.microsoft.com/office/2006/documentManagement/types"/>
-    <ds:schemaRef ds:uri="http://www.w3.org/XML/1998/namespace"/>
-    <ds:schemaRef ds:uri="http://purl.org/dc/terms/"/>
-    <ds:schemaRef ds:uri="http://purl.org/dc/elements/1.1/"/>
-    <ds:schemaRef ds:uri="a9997899-e6ea-448c-9370-6665c1cb1ca9"/>
-    <ds:schemaRef ds:uri="http://purl.org/dc/dcmitype/"/>
-    <ds:schemaRef ds:uri="http://schemas.microsoft.com/office/infopath/2007/PartnerControls"/>
-    <ds:schemaRef ds:uri="http://schemas.openxmlformats.org/package/2006/metadata/core-properties"/>
-  </ds:schemaRefs>
-</ds:datastoreItem>
-</file>
-
-<file path=customXml/itemProps2.xml><?xml version="1.0" encoding="utf-8"?>
 <ds:datastoreItem xmlns:ds="http://schemas.openxmlformats.org/officeDocument/2006/customXml" ds:itemID="{F412A431-86F1-4D8E-AC27-86C6F4A4DCAA}">
   <ds:schemaRefs>
     <ds:schemaRef ds:uri="4952ab04-0ae3-4d00-bda6-702fdc5fffab"/>
@@ -41242,6 +41173,23 @@
 </ds:datastoreItem>
 </file>
 
+<file path=customXml/itemProps2.xml><?xml version="1.0" encoding="utf-8"?>
+<ds:datastoreItem xmlns:ds="http://schemas.openxmlformats.org/officeDocument/2006/customXml" ds:itemID="{F5BCF84E-3EFE-4EC9-AB6C-7D53083CF2F0}">
+  <ds:schemaRefs>
+    <ds:schemaRef ds:uri="4952ab04-0ae3-4d00-bda6-702fdc5fffab"/>
+    <ds:schemaRef ds:uri="http://schemas.microsoft.com/office/2006/metadata/properties"/>
+    <ds:schemaRef ds:uri="http://schemas.microsoft.com/office/2006/documentManagement/types"/>
+    <ds:schemaRef ds:uri="http://www.w3.org/XML/1998/namespace"/>
+    <ds:schemaRef ds:uri="http://purl.org/dc/terms/"/>
+    <ds:schemaRef ds:uri="http://purl.org/dc/elements/1.1/"/>
+    <ds:schemaRef ds:uri="a9997899-e6ea-448c-9370-6665c1cb1ca9"/>
+    <ds:schemaRef ds:uri="http://purl.org/dc/dcmitype/"/>
+    <ds:schemaRef ds:uri="http://schemas.microsoft.com/office/infopath/2007/PartnerControls"/>
+    <ds:schemaRef ds:uri="http://schemas.openxmlformats.org/package/2006/metadata/core-properties"/>
+  </ds:schemaRefs>
+</ds:datastoreItem>
+</file>
+
 <file path=customXml/itemProps3.xml><?xml version="1.0" encoding="utf-8"?>
 <ds:datastoreItem xmlns:ds="http://schemas.openxmlformats.org/officeDocument/2006/customXml" ds:itemID="{E556F4D6-31A5-4692-BD03-E6D6534FF51F}">
   <ds:schemaRefs>
